--- a/games-HTML5/sounds-soundboard/Lesson_7_-Oil_as_a_resource_ss.pptx
+++ b/games-HTML5/sounds-soundboard/Lesson_7_-Oil_as_a_resource_ss.pptx
@@ -152,7 +152,7 @@
   <pc:docChgLst>
     <pc:chgData name="Aleks PANASIUK (8NN)" userId="fbcfad7c-c4f8-496a-9fac-5097aac28816" providerId="ADAL" clId="{F4B95267-B770-4ABF-A1EF-A78C1E467196}"/>
     <pc:docChg chg="modSld">
-      <pc:chgData name="Aleks PANASIUK (8NN)" userId="fbcfad7c-c4f8-496a-9fac-5097aac28816" providerId="ADAL" clId="{F4B95267-B770-4ABF-A1EF-A78C1E467196}" dt="2025-10-17T08:53:05.062" v="3" actId="20578"/>
+      <pc:chgData name="Aleks PANASIUK (8NN)" userId="fbcfad7c-c4f8-496a-9fac-5097aac28816" providerId="ADAL" clId="{F4B95267-B770-4ABF-A1EF-A78C1E467196}" dt="2025-10-17T09:08:43.425" v="5" actId="1076"/>
       <pc:docMkLst>
         <pc:docMk/>
       </pc:docMkLst>
@@ -178,14 +178,14 @@
           <pc:sldMk cId="1173940429" sldId="258"/>
         </pc:sldMkLst>
       </pc:sldChg>
-      <pc:sldChg chg="modSp">
-        <pc:chgData name="Aleks PANASIUK (8NN)" userId="fbcfad7c-c4f8-496a-9fac-5097aac28816" providerId="ADAL" clId="{F4B95267-B770-4ABF-A1EF-A78C1E467196}" dt="2025-10-17T08:53:05.062" v="3" actId="20578"/>
+      <pc:sldChg chg="modSp mod">
+        <pc:chgData name="Aleks PANASIUK (8NN)" userId="fbcfad7c-c4f8-496a-9fac-5097aac28816" providerId="ADAL" clId="{F4B95267-B770-4ABF-A1EF-A78C1E467196}" dt="2025-10-17T09:08:43.425" v="5" actId="1076"/>
         <pc:sldMkLst>
           <pc:docMk/>
           <pc:sldMk cId="1043320436" sldId="259"/>
         </pc:sldMkLst>
         <pc:spChg chg="mod">
-          <ac:chgData name="Aleks PANASIUK (8NN)" userId="fbcfad7c-c4f8-496a-9fac-5097aac28816" providerId="ADAL" clId="{F4B95267-B770-4ABF-A1EF-A78C1E467196}" dt="2025-10-17T08:53:05.062" v="3" actId="20578"/>
+          <ac:chgData name="Aleks PANASIUK (8NN)" userId="fbcfad7c-c4f8-496a-9fac-5097aac28816" providerId="ADAL" clId="{F4B95267-B770-4ABF-A1EF-A78C1E467196}" dt="2025-10-17T09:08:43.425" v="5" actId="1076"/>
           <ac:spMkLst>
             <pc:docMk/>
             <pc:sldMk cId="1043320436" sldId="259"/>
@@ -4572,7 +4572,7 @@
         </p:nvSpPr>
         <p:spPr>
           <a:xfrm>
-            <a:off x="990600" y="914400"/>
+            <a:off x="1181670" y="914400"/>
             <a:ext cx="8305800" cy="5029200"/>
           </a:xfrm>
           <a:solidFill>
